--- a/figure/01_table0.pptx
+++ b/figure/01_table0.pptx
@@ -4,7 +4,7 @@
   <p:sldMasterIdLst>
     <p:sldMasterId id="2147483648" r:id="rId1"/>
   </p:sldMasterIdLst>
-  <p:sldIdLst xmlns:a="http://schemas.openxmlformats.org/drawingml/2006/main" xmlns:r="http://schemas.openxmlformats.org/officeDocument/2006/relationships" xmlns:p="http://schemas.openxmlformats.org/presentationml/2006/main">
+  <p:sldIdLst>
     <p:sldId id="256" r:id="rId8"/>
   </p:sldIdLst>
   <p:sldSz cx="9144000" cy="6858000" type="screen4x3"/>
@@ -2214,7 +2214,7 @@
           <a:chExt cx="0" cy="0"/>
         </a:xfrm>
       </p:grpSpPr>
-      <p:graphicFrame xmlns:a="http://schemas.openxmlformats.org/drawingml/2006/main" xmlns:r="http://schemas.openxmlformats.org/officeDocument/2006/relationships" xmlns:p="http://schemas.openxmlformats.org/presentationml/2006/main">
+      <p:graphicFrame>
         <p:nvGraphicFramePr>
           <p:cNvPr id="2" name="Content Placeholder 2"/>
           <p:cNvGraphicFramePr>
@@ -2488,7 +2488,7 @@
                       </a:r>
                     </a:p>
                   </a:txBody>
-                  <a:tcPr anchor="ctr" marB="0" marT="0" marR="0" marL="0">
+                  <a:tcPr anchor="t" marB="0" marT="0" marR="0" marL="0">
                     <a:lnL w="0" cmpd="sng" algn="ctr" cap="flat">
                       <a:solidFill>
                         <a:srgbClr val="FFFFFF">
@@ -2626,7 +2626,7 @@
                       </a:r>
                     </a:p>
                   </a:txBody>
-                  <a:tcPr anchor="ctr" marB="0" marT="0" marR="0" marL="0">
+                  <a:tcPr anchor="t" marB="0" marT="0" marR="0" marL="0">
                     <a:lnL w="0" cmpd="sng" algn="ctr" cap="flat">
                       <a:solidFill>
                         <a:srgbClr val="FFFFFF">
@@ -2764,7 +2764,7 @@
                       </a:r>
                     </a:p>
                   </a:txBody>
-                  <a:tcPr anchor="ctr" marB="0" marT="0" marR="0" marL="0">
+                  <a:tcPr anchor="t" marB="0" marT="0" marR="0" marL="0">
                     <a:lnL w="0" cmpd="sng" algn="ctr" cap="flat">
                       <a:solidFill>
                         <a:srgbClr val="FFFFFF">
@@ -2902,7 +2902,7 @@
                       </a:r>
                     </a:p>
                   </a:txBody>
-                  <a:tcPr anchor="ctr" marB="0" marT="0" marR="0" marL="0">
+                  <a:tcPr anchor="t" marB="0" marT="0" marR="0" marL="0">
                     <a:lnL w="0" cmpd="sng" algn="ctr" cap="flat">
                       <a:solidFill>
                         <a:srgbClr val="FFFFFF">
@@ -3040,7 +3040,7 @@
                       </a:r>
                     </a:p>
                   </a:txBody>
-                  <a:tcPr anchor="ctr" marB="0" marT="0" marR="0" marL="0">
+                  <a:tcPr anchor="t" marB="0" marT="0" marR="0" marL="0">
                     <a:lnL w="0" cmpd="sng" algn="ctr" cap="flat">
                       <a:solidFill>
                         <a:srgbClr val="FFFFFF">
@@ -3178,7 +3178,7 @@
                       </a:r>
                     </a:p>
                   </a:txBody>
-                  <a:tcPr anchor="ctr" marB="0" marT="0" marR="0" marL="0">
+                  <a:tcPr anchor="t" marB="0" marT="0" marR="0" marL="0">
                     <a:lnL w="0" cmpd="sng" algn="ctr" cap="flat">
                       <a:solidFill>
                         <a:srgbClr val="FFFFFF">
@@ -3316,7 +3316,7 @@
                       </a:r>
                     </a:p>
                   </a:txBody>
-                  <a:tcPr anchor="ctr" marB="0" marT="0" marR="0" marL="0">
+                  <a:tcPr anchor="t" marB="0" marT="0" marR="0" marL="0">
                     <a:lnL w="0" cmpd="sng" algn="ctr" cap="flat">
                       <a:solidFill>
                         <a:srgbClr val="FFFFFF">
@@ -3454,7 +3454,7 @@
                       </a:r>
                     </a:p>
                   </a:txBody>
-                  <a:tcPr anchor="ctr" marB="0" marT="0" marR="0" marL="0">
+                  <a:tcPr anchor="t" marB="0" marT="0" marR="0" marL="0">
                     <a:lnL w="0" cmpd="sng" algn="ctr" cap="flat">
                       <a:solidFill>
                         <a:srgbClr val="FFFFFF">
@@ -3592,7 +3592,7 @@
                       </a:r>
                     </a:p>
                   </a:txBody>
-                  <a:tcPr anchor="ctr" marB="0" marT="0" marR="0" marL="0">
+                  <a:tcPr anchor="t" marB="0" marT="0" marR="0" marL="0">
                     <a:lnL w="0" cmpd="sng" algn="ctr" cap="flat">
                       <a:solidFill>
                         <a:srgbClr val="FFFFFF">
@@ -3730,7 +3730,7 @@
                       </a:r>
                     </a:p>
                   </a:txBody>
-                  <a:tcPr anchor="ctr" marB="0" marT="0" marR="0" marL="0">
+                  <a:tcPr anchor="t" marB="0" marT="0" marR="0" marL="0">
                     <a:lnL w="0" cmpd="sng" algn="ctr" cap="flat">
                       <a:solidFill>
                         <a:srgbClr val="FFFFFF">
@@ -3868,7 +3868,7 @@
                       </a:r>
                     </a:p>
                   </a:txBody>
-                  <a:tcPr anchor="ctr" marB="0" marT="0" marR="0" marL="0">
+                  <a:tcPr anchor="t" marB="0" marT="0" marR="0" marL="0">
                     <a:lnL w="0" cmpd="sng" algn="ctr" cap="flat">
                       <a:solidFill>
                         <a:srgbClr val="FFFFFF">
@@ -4006,7 +4006,7 @@
                       </a:r>
                     </a:p>
                   </a:txBody>
-                  <a:tcPr anchor="ctr" marB="0" marT="0" marR="0" marL="0">
+                  <a:tcPr anchor="t" marB="0" marT="0" marR="0" marL="0">
                     <a:lnL w="0" cmpd="sng" algn="ctr" cap="flat">
                       <a:solidFill>
                         <a:srgbClr val="FFFFFF">
@@ -4144,7 +4144,7 @@
                       </a:r>
                     </a:p>
                   </a:txBody>
-                  <a:tcPr anchor="ctr" marB="0" marT="0" marR="0" marL="0">
+                  <a:tcPr anchor="t" marB="0" marT="0" marR="0" marL="0">
                     <a:lnL w="0" cmpd="sng" algn="ctr" cap="flat">
                       <a:solidFill>
                         <a:srgbClr val="FFFFFF">
@@ -4282,7 +4282,7 @@
                       </a:r>
                     </a:p>
                   </a:txBody>
-                  <a:tcPr anchor="ctr" marB="0" marT="0" marR="0" marL="0">
+                  <a:tcPr anchor="t" marB="0" marT="0" marR="0" marL="0">
                     <a:lnL w="0" cmpd="sng" algn="ctr" cap="flat">
                       <a:solidFill>
                         <a:srgbClr val="FFFFFF">
@@ -4420,7 +4420,7 @@
                       </a:r>
                     </a:p>
                   </a:txBody>
-                  <a:tcPr anchor="ctr" marB="0" marT="0" marR="0" marL="0">
+                  <a:tcPr anchor="t" marB="0" marT="0" marR="0" marL="0">
                     <a:lnL w="0" cmpd="sng" algn="ctr" cap="flat">
                       <a:solidFill>
                         <a:srgbClr val="FFFFFF">
@@ -4558,7 +4558,7 @@
                       </a:r>
                     </a:p>
                   </a:txBody>
-                  <a:tcPr anchor="ctr" marB="0" marT="0" marR="0" marL="0">
+                  <a:tcPr anchor="t" marB="0" marT="0" marR="0" marL="0">
                     <a:lnL w="0" cmpd="sng" algn="ctr" cap="flat">
                       <a:solidFill>
                         <a:srgbClr val="FFFFFF">
@@ -4696,7 +4696,7 @@
                       </a:r>
                     </a:p>
                   </a:txBody>
-                  <a:tcPr anchor="ctr" marB="0" marT="0" marR="0" marL="0">
+                  <a:tcPr anchor="t" marB="0" marT="0" marR="0" marL="0">
                     <a:lnL w="0" cmpd="sng" algn="ctr" cap="flat">
                       <a:solidFill>
                         <a:srgbClr val="FFFFFF">
@@ -4834,7 +4834,7 @@
                       </a:r>
                     </a:p>
                   </a:txBody>
-                  <a:tcPr anchor="ctr" marB="0" marT="0" marR="0" marL="0">
+                  <a:tcPr anchor="t" marB="0" marT="0" marR="0" marL="0">
                     <a:lnL w="0" cmpd="sng" algn="ctr" cap="flat">
                       <a:solidFill>
                         <a:srgbClr val="FFFFFF">
@@ -4972,7 +4972,7 @@
                       </a:r>
                     </a:p>
                   </a:txBody>
-                  <a:tcPr anchor="ctr" marB="0" marT="0" marR="0" marL="0">
+                  <a:tcPr anchor="t" marB="0" marT="0" marR="0" marL="0">
                     <a:lnL w="0" cmpd="sng" algn="ctr" cap="flat">
                       <a:solidFill>
                         <a:srgbClr val="FFFFFF">
@@ -5110,7 +5110,7 @@
                       </a:r>
                     </a:p>
                   </a:txBody>
-                  <a:tcPr anchor="ctr" marB="0" marT="0" marR="0" marL="0">
+                  <a:tcPr anchor="t" marB="0" marT="0" marR="0" marL="0">
                     <a:lnL w="0" cmpd="sng" algn="ctr" cap="flat">
                       <a:solidFill>
                         <a:srgbClr val="FFFFFF">
